--- a/RideShare.pptx
+++ b/RideShare.pptx
@@ -12,6 +12,8 @@
     <p:sldId id="260" r:id="rId6"/>
     <p:sldId id="261" r:id="rId7"/>
     <p:sldId id="262" r:id="rId8"/>
+    <p:sldId id="263" r:id="rId9"/>
+    <p:sldId id="264" r:id="rId10"/>
   </p:sldIdLst>
   <p:sldSz cx="12192000" cy="6858000"/>
   <p:notesSz cx="6858000" cy="9144000"/>
@@ -110,6 +112,11 @@
       </a:defRPr>
     </a:lvl9pPr>
   </p:defaultTextStyle>
+  <p:extLst>
+    <p:ext uri="{EFAFB233-063F-42B5-8137-9DF3F51BA10A}">
+      <p15:sldGuideLst xmlns:p15="http://schemas.microsoft.com/office/powerpoint/2012/main"/>
+    </p:ext>
+  </p:extLst>
 </p:presentation>
 </file>
 
@@ -12466,7 +12473,7 @@
           <a:p>
             <a:r>
               <a:rPr lang="en-IE" dirty="0"/>
-              <a:t>Bugs</a:t>
+              <a:t>Issues</a:t>
             </a:r>
           </a:p>
         </p:txBody>
@@ -12496,7 +12503,7 @@
               <a:rPr lang="en-IE" dirty="0">
                 <a:hlinkClick r:id="rId2"/>
               </a:rPr>
-              <a:t>https://github.com/cormacmchale/ProfPractice/issues/9</a:t>
+              <a:t>https://github.com/cormacmchale/ProfPractice/issues</a:t>
             </a:r>
             <a:endParaRPr lang="en-IE" dirty="0"/>
           </a:p>
@@ -12506,6 +12513,178 @@
     <p:extLst>
       <p:ext uri="{BB962C8B-B14F-4D97-AF65-F5344CB8AC3E}">
         <p14:creationId xmlns:p14="http://schemas.microsoft.com/office/powerpoint/2010/main" val="2981843178"/>
+      </p:ext>
+    </p:extLst>
+  </p:cSld>
+  <p:clrMapOvr>
+    <a:masterClrMapping/>
+  </p:clrMapOvr>
+</p:sld>
+</file>
+
+<file path=ppt/slides/slide8.xml><?xml version="1.0" encoding="utf-8"?>
+<p:sld xmlns:a="http://schemas.openxmlformats.org/drawingml/2006/main" xmlns:r="http://schemas.openxmlformats.org/officeDocument/2006/relationships" xmlns:p="http://schemas.openxmlformats.org/presentationml/2006/main">
+  <p:cSld>
+    <p:spTree>
+      <p:nvGrpSpPr>
+        <p:cNvPr id="1" name=""/>
+        <p:cNvGrpSpPr/>
+        <p:nvPr/>
+      </p:nvGrpSpPr>
+      <p:grpSpPr>
+        <a:xfrm>
+          <a:off x="0" y="0"/>
+          <a:ext cx="0" cy="0"/>
+          <a:chOff x="0" y="0"/>
+          <a:chExt cx="0" cy="0"/>
+        </a:xfrm>
+      </p:grpSpPr>
+      <p:sp>
+        <p:nvSpPr>
+          <p:cNvPr id="2" name="Title 1">
+            <a:extLst>
+              <a:ext uri="{FF2B5EF4-FFF2-40B4-BE49-F238E27FC236}">
+                <a16:creationId xmlns:a16="http://schemas.microsoft.com/office/drawing/2014/main" id="{659EE489-134B-423D-91B9-346F4E814615}"/>
+              </a:ext>
+            </a:extLst>
+          </p:cNvPr>
+          <p:cNvSpPr>
+            <a:spLocks noGrp="1"/>
+          </p:cNvSpPr>
+          <p:nvPr>
+            <p:ph type="title"/>
+          </p:nvPr>
+        </p:nvSpPr>
+        <p:spPr/>
+        <p:txBody>
+          <a:bodyPr/>
+          <a:lstStyle/>
+          <a:p>
+            <a:r>
+              <a:rPr lang="en-IE" dirty="0"/>
+              <a:t>Wiki –User Guide</a:t>
+            </a:r>
+          </a:p>
+        </p:txBody>
+      </p:sp>
+      <p:sp>
+        <p:nvSpPr>
+          <p:cNvPr id="3" name="Content Placeholder 2">
+            <a:extLst>
+              <a:ext uri="{FF2B5EF4-FFF2-40B4-BE49-F238E27FC236}">
+                <a16:creationId xmlns:a16="http://schemas.microsoft.com/office/drawing/2014/main" id="{A925EA3F-9629-4CDC-B418-68A5382FBEE2}"/>
+              </a:ext>
+            </a:extLst>
+          </p:cNvPr>
+          <p:cNvSpPr>
+            <a:spLocks noGrp="1"/>
+          </p:cNvSpPr>
+          <p:nvPr>
+            <p:ph idx="1"/>
+          </p:nvPr>
+        </p:nvSpPr>
+        <p:spPr/>
+        <p:txBody>
+          <a:bodyPr/>
+          <a:lstStyle/>
+          <a:p>
+            <a:r>
+              <a:rPr lang="en-IE" dirty="0">
+                <a:hlinkClick r:id="rId2"/>
+              </a:rPr>
+              <a:t>https://github.com/cormacmchale/ProfPractice/wiki</a:t>
+            </a:r>
+            <a:endParaRPr lang="en-IE" dirty="0"/>
+          </a:p>
+        </p:txBody>
+      </p:sp>
+    </p:spTree>
+    <p:extLst>
+      <p:ext uri="{BB962C8B-B14F-4D97-AF65-F5344CB8AC3E}">
+        <p14:creationId xmlns:p14="http://schemas.microsoft.com/office/powerpoint/2010/main" val="1831594763"/>
+      </p:ext>
+    </p:extLst>
+  </p:cSld>
+  <p:clrMapOvr>
+    <a:masterClrMapping/>
+  </p:clrMapOvr>
+</p:sld>
+</file>
+
+<file path=ppt/slides/slide9.xml><?xml version="1.0" encoding="utf-8"?>
+<p:sld xmlns:a="http://schemas.openxmlformats.org/drawingml/2006/main" xmlns:r="http://schemas.openxmlformats.org/officeDocument/2006/relationships" xmlns:p="http://schemas.openxmlformats.org/presentationml/2006/main">
+  <p:cSld>
+    <p:spTree>
+      <p:nvGrpSpPr>
+        <p:cNvPr id="1" name=""/>
+        <p:cNvGrpSpPr/>
+        <p:nvPr/>
+      </p:nvGrpSpPr>
+      <p:grpSpPr>
+        <a:xfrm>
+          <a:off x="0" y="0"/>
+          <a:ext cx="0" cy="0"/>
+          <a:chOff x="0" y="0"/>
+          <a:chExt cx="0" cy="0"/>
+        </a:xfrm>
+      </p:grpSpPr>
+      <p:sp>
+        <p:nvSpPr>
+          <p:cNvPr id="2" name="Title 1">
+            <a:extLst>
+              <a:ext uri="{FF2B5EF4-FFF2-40B4-BE49-F238E27FC236}">
+                <a16:creationId xmlns:a16="http://schemas.microsoft.com/office/drawing/2014/main" id="{C8F4ACC0-ACAC-4023-88E5-F2383F6CB100}"/>
+              </a:ext>
+            </a:extLst>
+          </p:cNvPr>
+          <p:cNvSpPr>
+            <a:spLocks noGrp="1"/>
+          </p:cNvSpPr>
+          <p:nvPr>
+            <p:ph type="title"/>
+          </p:nvPr>
+        </p:nvSpPr>
+        <p:spPr/>
+        <p:txBody>
+          <a:bodyPr/>
+          <a:lstStyle/>
+          <a:p>
+            <a:r>
+              <a:rPr lang="en-IE" dirty="0"/>
+              <a:t>Conclusions and future development</a:t>
+            </a:r>
+          </a:p>
+        </p:txBody>
+      </p:sp>
+      <p:sp>
+        <p:nvSpPr>
+          <p:cNvPr id="3" name="Content Placeholder 2">
+            <a:extLst>
+              <a:ext uri="{FF2B5EF4-FFF2-40B4-BE49-F238E27FC236}">
+                <a16:creationId xmlns:a16="http://schemas.microsoft.com/office/drawing/2014/main" id="{3D1F212D-0895-42A9-85FC-4814C1188846}"/>
+              </a:ext>
+            </a:extLst>
+          </p:cNvPr>
+          <p:cNvSpPr>
+            <a:spLocks noGrp="1"/>
+          </p:cNvSpPr>
+          <p:nvPr>
+            <p:ph idx="1"/>
+          </p:nvPr>
+        </p:nvSpPr>
+        <p:spPr/>
+        <p:txBody>
+          <a:bodyPr/>
+          <a:lstStyle/>
+          <a:p>
+            <a:endParaRPr lang="en-IE" dirty="0"/>
+          </a:p>
+        </p:txBody>
+      </p:sp>
+    </p:spTree>
+    <p:extLst>
+      <p:ext uri="{BB962C8B-B14F-4D97-AF65-F5344CB8AC3E}">
+        <p14:creationId xmlns:p14="http://schemas.microsoft.com/office/powerpoint/2010/main" val="4153817879"/>
       </p:ext>
     </p:extLst>
   </p:cSld>

--- a/RideShare.pptx
+++ b/RideShare.pptx
@@ -12677,6 +12677,36 @@
           <a:bodyPr/>
           <a:lstStyle/>
           <a:p>
+            <a:r>
+              <a:rPr lang="en-IE" dirty="0"/>
+              <a:t>After completing the functionality that we have in the app so far, I can draw some conclusions</a:t>
+            </a:r>
+          </a:p>
+          <a:p>
+            <a:r>
+              <a:rPr lang="en-IE" dirty="0"/>
+              <a:t>With a larger team and more time the following improvements can be made from to the app</a:t>
+            </a:r>
+          </a:p>
+          <a:p>
+            <a:r>
+              <a:rPr lang="en-IE" dirty="0"/>
+              <a:t>Users Car-Pool in groups</a:t>
+            </a:r>
+          </a:p>
+          <a:p>
+            <a:r>
+              <a:rPr lang="en-IE" dirty="0"/>
+              <a:t>E-mail verification implemented correctly</a:t>
+            </a:r>
+          </a:p>
+          <a:p>
+            <a:endParaRPr lang="en-IE" dirty="0"/>
+          </a:p>
+          <a:p>
+            <a:endParaRPr lang="en-IE" dirty="0"/>
+          </a:p>
+          <a:p>
             <a:endParaRPr lang="en-IE" dirty="0"/>
           </a:p>
         </p:txBody>

--- a/RideShare.pptx
+++ b/RideShare.pptx
@@ -12674,7 +12674,9 @@
         </p:nvSpPr>
         <p:spPr/>
         <p:txBody>
-          <a:bodyPr/>
+          <a:bodyPr>
+            <a:normAutofit fontScale="85000" lnSpcReduction="20000"/>
+          </a:bodyPr>
           <a:lstStyle/>
           <a:p>
             <a:r>
@@ -12691,7 +12693,15 @@
           <a:p>
             <a:r>
               <a:rPr lang="en-IE" dirty="0"/>
-              <a:t>Users Car-Pool in groups</a:t>
+              <a:t>Users Car-Pool in groups (</a:t>
+            </a:r>
+            <a:r>
+              <a:rPr lang="en-IE" dirty="0" err="1"/>
+              <a:t>Whats</a:t>
+            </a:r>
+            <a:r>
+              <a:rPr lang="en-IE" dirty="0"/>
+              <a:t> app)</a:t>
             </a:r>
           </a:p>
           <a:p>
@@ -12699,6 +12709,59 @@
               <a:rPr lang="en-IE" dirty="0"/>
               <a:t>E-mail verification implemented correctly</a:t>
             </a:r>
+          </a:p>
+          <a:p>
+            <a:r>
+              <a:rPr lang="en-IE" dirty="0"/>
+              <a:t>GUI Update (professional)</a:t>
+            </a:r>
+          </a:p>
+          <a:p>
+            <a:r>
+              <a:rPr lang="en-IE" dirty="0"/>
+              <a:t>Adding extra information to Journeys (Time/Date/Bring petrol Money)</a:t>
+            </a:r>
+          </a:p>
+          <a:p>
+            <a:r>
+              <a:rPr lang="en-IE" dirty="0"/>
+              <a:t>Accountability (User rating system)</a:t>
+            </a:r>
+          </a:p>
+          <a:p>
+            <a:r>
+              <a:rPr lang="en-IE" dirty="0"/>
+              <a:t>Draw route you will drive (Maybe Google will release this at some stage)</a:t>
+            </a:r>
+          </a:p>
+          <a:p>
+            <a:r>
+              <a:rPr lang="en-IE" dirty="0"/>
+              <a:t>Private message another User for info</a:t>
+            </a:r>
+          </a:p>
+          <a:p>
+            <a:r>
+              <a:rPr lang="en-IE" dirty="0"/>
+              <a:t>Assigning users to a Journey – </a:t>
+            </a:r>
+            <a:r>
+              <a:rPr lang="en-IE" dirty="0" err="1"/>
+              <a:t>i.e</a:t>
+            </a:r>
+            <a:r>
+              <a:rPr lang="en-IE" dirty="0"/>
+              <a:t> (Car full)</a:t>
+            </a:r>
+          </a:p>
+          <a:p>
+            <a:r>
+              <a:rPr lang="en-IE" dirty="0"/>
+              <a:t>Deleting Journeys Automatically after the Start time</a:t>
+            </a:r>
+          </a:p>
+          <a:p>
+            <a:endParaRPr lang="en-IE" dirty="0"/>
           </a:p>
           <a:p>
             <a:endParaRPr lang="en-IE" dirty="0"/>

--- a/RideShare.pptx
+++ b/RideShare.pptx
@@ -5134,7 +5134,7 @@
           <a:p>
             <a:fld id="{4AAD347D-5ACD-4C99-B74B-A9C85AD731AF}" type="datetimeFigureOut">
               <a:rPr lang="en-US" dirty="0"/>
-              <a:t>4/24/2019</a:t>
+              <a:t>4/25/2019</a:t>
             </a:fld>
             <a:endParaRPr lang="en-US" dirty="0"/>
           </a:p>
@@ -5404,7 +5404,7 @@
           <a:p>
             <a:fld id="{4509A250-FF31-4206-8172-F9D3106AACB1}" type="datetimeFigureOut">
               <a:rPr lang="en-US" dirty="0"/>
-              <a:t>4/24/2019</a:t>
+              <a:t>4/25/2019</a:t>
             </a:fld>
             <a:endParaRPr lang="en-US" dirty="0"/>
           </a:p>
@@ -5593,7 +5593,7 @@
           <a:p>
             <a:fld id="{4509A250-FF31-4206-8172-F9D3106AACB1}" type="datetimeFigureOut">
               <a:rPr lang="en-US" dirty="0"/>
-              <a:t>4/24/2019</a:t>
+              <a:t>4/25/2019</a:t>
             </a:fld>
             <a:endParaRPr lang="en-US" dirty="0"/>
           </a:p>
@@ -5859,7 +5859,7 @@
           <a:p>
             <a:fld id="{4509A250-FF31-4206-8172-F9D3106AACB1}" type="datetimeFigureOut">
               <a:rPr lang="en-US" dirty="0"/>
-              <a:t>4/24/2019</a:t>
+              <a:t>4/25/2019</a:t>
             </a:fld>
             <a:endParaRPr lang="en-US" dirty="0"/>
           </a:p>
@@ -6181,7 +6181,7 @@
           <a:p>
             <a:fld id="{4509A250-FF31-4206-8172-F9D3106AACB1}" type="datetimeFigureOut">
               <a:rPr lang="en-US" dirty="0"/>
-              <a:t>4/24/2019</a:t>
+              <a:t>4/25/2019</a:t>
             </a:fld>
             <a:endParaRPr lang="en-US" dirty="0"/>
           </a:p>
@@ -6795,7 +6795,7 @@
           <a:p>
             <a:fld id="{4509A250-FF31-4206-8172-F9D3106AACB1}" type="datetimeFigureOut">
               <a:rPr lang="en-US" dirty="0"/>
-              <a:t>4/24/2019</a:t>
+              <a:t>4/25/2019</a:t>
             </a:fld>
             <a:endParaRPr lang="en-US" dirty="0"/>
           </a:p>
@@ -7637,7 +7637,7 @@
           <a:p>
             <a:fld id="{4509A250-FF31-4206-8172-F9D3106AACB1}" type="datetimeFigureOut">
               <a:rPr lang="en-US" dirty="0"/>
-              <a:t>4/24/2019</a:t>
+              <a:t>4/25/2019</a:t>
             </a:fld>
             <a:endParaRPr lang="en-US" dirty="0"/>
           </a:p>
@@ -7802,7 +7802,7 @@
           <a:p>
             <a:fld id="{4509A250-FF31-4206-8172-F9D3106AACB1}" type="datetimeFigureOut">
               <a:rPr lang="en-US" dirty="0"/>
-              <a:t>4/24/2019</a:t>
+              <a:t>4/25/2019</a:t>
             </a:fld>
             <a:endParaRPr lang="en-US" dirty="0"/>
           </a:p>
@@ -7977,7 +7977,7 @@
           <a:p>
             <a:fld id="{4509A250-FF31-4206-8172-F9D3106AACB1}" type="datetimeFigureOut">
               <a:rPr lang="en-US" dirty="0"/>
-              <a:t>4/24/2019</a:t>
+              <a:t>4/25/2019</a:t>
             </a:fld>
             <a:endParaRPr lang="en-US" dirty="0"/>
           </a:p>
@@ -8142,7 +8142,7 @@
           <a:p>
             <a:fld id="{9796027F-7875-4030-9381-8BD8C4F21935}" type="datetimeFigureOut">
               <a:rPr lang="en-US" dirty="0"/>
-              <a:t>4/24/2019</a:t>
+              <a:t>4/25/2019</a:t>
             </a:fld>
             <a:endParaRPr lang="en-US" dirty="0"/>
           </a:p>
@@ -8384,7 +8384,7 @@
           <a:p>
             <a:fld id="{9796027F-7875-4030-9381-8BD8C4F21935}" type="datetimeFigureOut">
               <a:rPr lang="en-US" dirty="0"/>
-              <a:t>4/24/2019</a:t>
+              <a:t>4/25/2019</a:t>
             </a:fld>
             <a:endParaRPr lang="en-US" dirty="0"/>
           </a:p>
@@ -8671,7 +8671,7 @@
           <a:p>
             <a:fld id="{9796027F-7875-4030-9381-8BD8C4F21935}" type="datetimeFigureOut">
               <a:rPr lang="en-US" dirty="0"/>
-              <a:t>4/24/2019</a:t>
+              <a:t>4/25/2019</a:t>
             </a:fld>
             <a:endParaRPr lang="en-US" dirty="0"/>
           </a:p>
@@ -9110,7 +9110,7 @@
           <a:p>
             <a:fld id="{9796027F-7875-4030-9381-8BD8C4F21935}" type="datetimeFigureOut">
               <a:rPr lang="en-US" dirty="0"/>
-              <a:t>4/24/2019</a:t>
+              <a:t>4/25/2019</a:t>
             </a:fld>
             <a:endParaRPr lang="en-US" dirty="0"/>
           </a:p>
@@ -9223,7 +9223,7 @@
           <a:p>
             <a:fld id="{4509A250-FF31-4206-8172-F9D3106AACB1}" type="datetimeFigureOut">
               <a:rPr lang="en-US" dirty="0"/>
-              <a:t>4/24/2019</a:t>
+              <a:t>4/25/2019</a:t>
             </a:fld>
             <a:endParaRPr lang="en-US" dirty="0"/>
           </a:p>
@@ -9313,7 +9313,7 @@
           <a:p>
             <a:fld id="{4509A250-FF31-4206-8172-F9D3106AACB1}" type="datetimeFigureOut">
               <a:rPr lang="en-US" dirty="0"/>
-              <a:t>4/24/2019</a:t>
+              <a:t>4/25/2019</a:t>
             </a:fld>
             <a:endParaRPr lang="en-US" dirty="0"/>
           </a:p>
@@ -9587,7 +9587,7 @@
           <a:p>
             <a:fld id="{4509A250-FF31-4206-8172-F9D3106AACB1}" type="datetimeFigureOut">
               <a:rPr lang="en-US" dirty="0"/>
-              <a:t>4/24/2019</a:t>
+              <a:t>4/25/2019</a:t>
             </a:fld>
             <a:endParaRPr lang="en-US" dirty="0"/>
           </a:p>
@@ -9857,7 +9857,7 @@
           <a:p>
             <a:fld id="{4509A250-FF31-4206-8172-F9D3106AACB1}" type="datetimeFigureOut">
               <a:rPr lang="en-US" dirty="0"/>
-              <a:t>4/24/2019</a:t>
+              <a:t>4/25/2019</a:t>
             </a:fld>
             <a:endParaRPr lang="en-US" dirty="0"/>
           </a:p>
@@ -10275,7 +10275,7 @@
           <a:p>
             <a:fld id="{4AAD347D-5ACD-4C99-B74B-A9C85AD731AF}" type="datetimeFigureOut">
               <a:rPr lang="en-US" dirty="0"/>
-              <a:t>4/24/2019</a:t>
+              <a:t>4/25/2019</a:t>
             </a:fld>
             <a:endParaRPr lang="en-US" dirty="0"/>
           </a:p>
@@ -12260,7 +12260,7 @@
         </p:blipFill>
         <p:spPr>
           <a:xfrm>
-            <a:off x="1349004" y="1400175"/>
+            <a:off x="1393639" y="1409052"/>
             <a:ext cx="9404722" cy="4848225"/>
           </a:xfrm>
         </p:spPr>
@@ -12675,9 +12675,15 @@
         <p:spPr/>
         <p:txBody>
           <a:bodyPr>
-            <a:normAutofit fontScale="85000" lnSpcReduction="20000"/>
+            <a:normAutofit fontScale="70000" lnSpcReduction="20000"/>
           </a:bodyPr>
           <a:lstStyle/>
+          <a:p>
+            <a:r>
+              <a:rPr lang="en-IE" dirty="0"/>
+              <a:t>From a project to a product</a:t>
+            </a:r>
+          </a:p>
           <a:p>
             <a:r>
               <a:rPr lang="en-IE" dirty="0"/>

--- a/RideShare.pptx
+++ b/RideShare.pptx
@@ -12687,7 +12687,7 @@
           <a:p>
             <a:r>
               <a:rPr lang="en-IE" dirty="0"/>
-              <a:t>After completing the functionality that we have in the app so far, I can draw some conclusions</a:t>
+              <a:t>After completing the functionality that we have in the app so far I can draw some conclusions</a:t>
             </a:r>
           </a:p>
           <a:p>
